--- a/wrapup.pptx
+++ b/wrapup.pptx
@@ -967,9 +967,10 @@
         <a:lstStyle/>
         <a:p>
           <a:r>
-            <a:rPr lang="en-GB" dirty="0"/>
-            <a:t>Analogy</a:t>
+            <a:rPr lang="en-GB"/>
+            <a:t>Analogies</a:t>
           </a:r>
+          <a:endParaRPr lang="en-GB" dirty="0"/>
         </a:p>
       </dgm:t>
     </dgm:pt>
@@ -1681,9 +1682,10 @@
             <a:buNone/>
           </a:pPr>
           <a:r>
-            <a:rPr lang="en-GB" sz="1600" kern="1200" dirty="0"/>
-            <a:t>Analogy</a:t>
+            <a:rPr lang="en-GB" sz="1600" kern="1200"/>
+            <a:t>Analogies</a:t>
           </a:r>
+          <a:endParaRPr lang="en-GB" sz="1600" kern="1200" dirty="0"/>
         </a:p>
       </dsp:txBody>
       <dsp:txXfrm>
@@ -3656,7 +3658,7 @@
             <a:pPr rtl="0"/>
             <a:fld id="{EA8CFFFF-1951-49D2-BA01-3F428E9B77FD}" type="datetime1">
               <a:rPr lang="en-GB" smtClean="0"/>
-              <a:t>17/02/2023</a:t>
+              <a:t>21/02/2023</a:t>
             </a:fld>
             <a:endParaRPr lang="en-GB" dirty="0"/>
           </a:p>
@@ -3837,7 +3839,7 @@
             <a:fld id="{D3DBBC7D-17FC-4E55-9D49-E9453D21640C}" type="datetime1">
               <a:rPr lang="en-GB" smtClean="0"/>
               <a:pPr/>
-              <a:t>17/02/2023</a:t>
+              <a:t>21/02/2023</a:t>
             </a:fld>
             <a:endParaRPr lang="en-GB" dirty="0"/>
           </a:p>
@@ -23730,7 +23732,7 @@
           <p:nvPr>
             <p:extLst>
               <p:ext uri="{D42A27DB-BD31-4B8C-83A1-F6EECF244321}">
-                <p14:modId xmlns:p14="http://schemas.microsoft.com/office/powerpoint/2010/main" val="3410883440"/>
+                <p14:modId xmlns:p14="http://schemas.microsoft.com/office/powerpoint/2010/main" val="2604508217"/>
               </p:ext>
             </p:extLst>
           </p:nvPr>
@@ -23885,7 +23887,7 @@
             <a:pPr algn="ctr"/>
             <a:r>
               <a:rPr lang="en-US" dirty="0"/>
-              <a:t>Administrivia</a:t>
+              <a:t>Report</a:t>
             </a:r>
           </a:p>
         </p:txBody>
@@ -23919,7 +23921,7 @@
           <a:lstStyle/>
           <a:p>
             <a:r>
-              <a:rPr lang="en-US" sz="2500" dirty="0"/>
+              <a:rPr lang="en-US" sz="2500" i="1" dirty="0"/>
               <a:t>WRITEUP/REPORT</a:t>
             </a:r>
           </a:p>
@@ -24035,7 +24037,7 @@
             <a:pPr algn="ctr"/>
             <a:r>
               <a:rPr lang="en-US" dirty="0"/>
-              <a:t>Administrivia</a:t>
+              <a:t>Report</a:t>
             </a:r>
           </a:p>
         </p:txBody>
@@ -24069,7 +24071,7 @@
           <a:lstStyle/>
           <a:p>
             <a:r>
-              <a:rPr lang="en-US" sz="2500" dirty="0"/>
+              <a:rPr lang="en-US" sz="2500" i="1" dirty="0"/>
               <a:t>WRITEUP/REPORT</a:t>
             </a:r>
           </a:p>
@@ -24191,7 +24193,7 @@
             <a:pPr algn="ctr"/>
             <a:r>
               <a:rPr lang="en-US" dirty="0"/>
-              <a:t>Administrivia</a:t>
+              <a:t>Writing process</a:t>
             </a:r>
           </a:p>
         </p:txBody>
@@ -24225,7 +24227,7 @@
           <a:lstStyle/>
           <a:p>
             <a:r>
-              <a:rPr lang="en-US" sz="2500" dirty="0"/>
+              <a:rPr lang="en-US" sz="2500" i="1" dirty="0"/>
               <a:t>HOW TO WRITE</a:t>
             </a:r>
           </a:p>
@@ -25207,15 +25209,6 @@
 </file>
 
 <file path=customXml/item1.xml><?xml version="1.0" encoding="utf-8"?>
-<p:properties xmlns:p="http://schemas.microsoft.com/office/2006/metadata/properties" xmlns:xsi="http://www.w3.org/2001/XMLSchema-instance" xmlns:pc="http://schemas.microsoft.com/office/infopath/2007/PartnerControls">
-  <documentManagement>
-    <_ip_UnifiedCompliancePolicyUIAction xmlns="http://schemas.microsoft.com/sharepoint/v3" xsi:nil="true"/>
-    <_ip_UnifiedCompliancePolicyProperties xmlns="http://schemas.microsoft.com/sharepoint/v3" xsi:nil="true"/>
-  </documentManagement>
-</p:properties>
-</file>
-
-<file path=customXml/item2.xml><?xml version="1.0" encoding="utf-8"?>
 <ct:contentTypeSchema xmlns:ct="http://schemas.microsoft.com/office/2006/metadata/contentType" xmlns:ma="http://schemas.microsoft.com/office/2006/metadata/properties/metaAttributes" ct:_="" ma:_="" ma:contentTypeName="Document" ma:contentTypeID="0x010100DEEA25CC0A0AC24199CDC46C25B8B0BC" ma:contentTypeVersion="9" ma:contentTypeDescription="Create a new document." ma:contentTypeScope="" ma:versionID="76e25e1730b4532ab1d5e5b131a96a5a">
   <xsd:schema xmlns:xsd="http://www.w3.org/2001/XMLSchema" xmlns:xs="http://www.w3.org/2001/XMLSchema" xmlns:p="http://schemas.microsoft.com/office/2006/metadata/properties" xmlns:ns1="http://schemas.microsoft.com/sharepoint/v3" xmlns:ns2="6dc4bcd6-49db-4c07-9060-8acfc67cef9f" xmlns:ns3="fb0879af-3eba-417a-a55a-ffe6dcd6ca77" targetNamespace="http://schemas.microsoft.com/office/2006/metadata/properties" ma:root="true" ma:fieldsID="ad1e9281a84c4949647088091c718de3" ns1:_="" ns2:_="" ns3:_="">
     <xsd:import namespace="http://schemas.microsoft.com/sharepoint/v3"/>
@@ -25417,17 +25410,16 @@
 </ct:contentTypeSchema>
 </file>
 
-<file path=customXml/itemProps1.xml><?xml version="1.0" encoding="utf-8"?>
-<ds:datastoreItem xmlns:ds="http://schemas.openxmlformats.org/officeDocument/2006/customXml" ds:itemID="{0543E42B-7C8A-4AB1-9F29-E7D83A36D5D6}">
-  <ds:schemaRefs>
-    <ds:schemaRef ds:uri="http://schemas.microsoft.com/office/2006/metadata/properties"/>
-    <ds:schemaRef ds:uri="http://schemas.microsoft.com/office/infopath/2007/PartnerControls"/>
-    <ds:schemaRef ds:uri="http://schemas.microsoft.com/sharepoint/v3"/>
-  </ds:schemaRefs>
-</ds:datastoreItem>
+<file path=customXml/item2.xml><?xml version="1.0" encoding="utf-8"?>
+<p:properties xmlns:p="http://schemas.microsoft.com/office/2006/metadata/properties" xmlns:xsi="http://www.w3.org/2001/XMLSchema-instance" xmlns:pc="http://schemas.microsoft.com/office/infopath/2007/PartnerControls">
+  <documentManagement>
+    <_ip_UnifiedCompliancePolicyUIAction xmlns="http://schemas.microsoft.com/sharepoint/v3" xsi:nil="true"/>
+    <_ip_UnifiedCompliancePolicyProperties xmlns="http://schemas.microsoft.com/sharepoint/v3" xsi:nil="true"/>
+  </documentManagement>
+</p:properties>
 </file>
 
-<file path=customXml/itemProps2.xml><?xml version="1.0" encoding="utf-8"?>
+<file path=customXml/itemProps1.xml><?xml version="1.0" encoding="utf-8"?>
 <ds:datastoreItem xmlns:ds="http://schemas.openxmlformats.org/officeDocument/2006/customXml" ds:itemID="{0F655827-7CC1-40B1-BA1C-E9676D7EEDB7}">
   <ds:schemaRefs>
     <ds:schemaRef ds:uri="http://schemas.microsoft.com/office/2006/metadata/contentType"/>
@@ -25445,4 +25437,14 @@
     <ds:schemaRef ds:uri="http://schemas.microsoft.com/internal/obd"/>
   </ds:schemaRefs>
 </ds:datastoreItem>
+</file>
+
+<file path=customXml/itemProps2.xml><?xml version="1.0" encoding="utf-8"?>
+<ds:datastoreItem xmlns:ds="http://schemas.openxmlformats.org/officeDocument/2006/customXml" ds:itemID="{0543E42B-7C8A-4AB1-9F29-E7D83A36D5D6}">
+  <ds:schemaRefs>
+    <ds:schemaRef ds:uri="http://schemas.microsoft.com/office/2006/metadata/properties"/>
+    <ds:schemaRef ds:uri="http://schemas.microsoft.com/office/infopath/2007/PartnerControls"/>
+    <ds:schemaRef ds:uri="http://schemas.microsoft.com/sharepoint/v3"/>
+  </ds:schemaRefs>
+</ds:datastoreItem>
 </file>
--- a/wrapup.pptx
+++ b/wrapup.pptx
@@ -895,9 +895,10 @@
         <a:lstStyle/>
         <a:p>
           <a:r>
-            <a:rPr lang="en-GB" dirty="0"/>
-            <a:t>AI</a:t>
+            <a:rPr lang="en-GB"/>
+            <a:t>Future AI</a:t>
           </a:r>
+          <a:endParaRPr lang="en-GB" dirty="0"/>
         </a:p>
       </dgm:t>
     </dgm:pt>
@@ -967,10 +968,9 @@
         <a:lstStyle/>
         <a:p>
           <a:r>
-            <a:rPr lang="en-GB"/>
+            <a:rPr lang="en-GB" dirty="0"/>
             <a:t>Analogies</a:t>
           </a:r>
-          <a:endParaRPr lang="en-GB" dirty="0"/>
         </a:p>
       </dgm:t>
     </dgm:pt>
@@ -1368,12 +1368,12 @@
         </a:fontRef>
       </dsp:style>
       <dsp:txBody>
-        <a:bodyPr spcFirstLastPara="0" vert="horz" wrap="square" lIns="82550" tIns="82550" rIns="82550" bIns="82550" numCol="1" spcCol="1270" anchor="ctr" anchorCtr="0">
+        <a:bodyPr spcFirstLastPara="0" vert="horz" wrap="square" lIns="41910" tIns="41910" rIns="41910" bIns="41910" numCol="1" spcCol="1270" anchor="ctr" anchorCtr="0">
           <a:noAutofit/>
         </a:bodyPr>
         <a:lstStyle/>
         <a:p>
-          <a:pPr marL="0" lvl="0" indent="0" algn="ctr" defTabSz="2889250">
+          <a:pPr marL="0" lvl="0" indent="0" algn="ctr" defTabSz="1466850">
             <a:lnSpc>
               <a:spcPct val="90000"/>
             </a:lnSpc>
@@ -1386,9 +1386,10 @@
             <a:buNone/>
           </a:pPr>
           <a:r>
-            <a:rPr lang="en-GB" sz="6500" kern="1200" dirty="0"/>
-            <a:t>AI</a:t>
+            <a:rPr lang="en-GB" sz="3300" kern="1200"/>
+            <a:t>Future AI</a:t>
           </a:r>
+          <a:endParaRPr lang="en-GB" sz="3300" kern="1200" dirty="0"/>
         </a:p>
       </dsp:txBody>
       <dsp:txXfrm>
@@ -1682,10 +1683,9 @@
             <a:buNone/>
           </a:pPr>
           <a:r>
-            <a:rPr lang="en-GB" sz="1600" kern="1200"/>
+            <a:rPr lang="en-GB" sz="1600" kern="1200" dirty="0"/>
             <a:t>Analogies</a:t>
           </a:r>
-          <a:endParaRPr lang="en-GB" sz="1600" kern="1200" dirty="0"/>
         </a:p>
       </dsp:txBody>
       <dsp:txXfrm>
@@ -23732,7 +23732,7 @@
           <p:nvPr>
             <p:extLst>
               <p:ext uri="{D42A27DB-BD31-4B8C-83A1-F6EECF244321}">
-                <p14:modId xmlns:p14="http://schemas.microsoft.com/office/powerpoint/2010/main" val="2604508217"/>
+                <p14:modId xmlns:p14="http://schemas.microsoft.com/office/powerpoint/2010/main" val="1641222840"/>
               </p:ext>
             </p:extLst>
           </p:nvPr>

--- a/wrapup.pptx
+++ b/wrapup.pptx
@@ -3658,7 +3658,7 @@
             <a:pPr rtl="0"/>
             <a:fld id="{EA8CFFFF-1951-49D2-BA01-3F428E9B77FD}" type="datetime1">
               <a:rPr lang="en-GB" smtClean="0"/>
-              <a:t>21/02/2023</a:t>
+              <a:t>22/02/2023</a:t>
             </a:fld>
             <a:endParaRPr lang="en-GB" dirty="0"/>
           </a:p>
@@ -3839,7 +3839,7 @@
             <a:fld id="{D3DBBC7D-17FC-4E55-9D49-E9453D21640C}" type="datetime1">
               <a:rPr lang="en-GB" smtClean="0"/>
               <a:pPr/>
-              <a:t>21/02/2023</a:t>
+              <a:t>22/02/2023</a:t>
             </a:fld>
             <a:endParaRPr lang="en-GB" dirty="0"/>
           </a:p>
@@ -23807,15 +23807,7 @@
           <a:p>
             <a:r>
               <a:rPr lang="en-US" sz="2800" i="1" dirty="0"/>
-              <a:t>AI is a deeply contextual and open-ended </a:t>
-            </a:r>
-            <a:r>
-              <a:rPr lang="en-US" sz="2800" i="1" dirty="0" err="1"/>
-              <a:t>endeavour</a:t>
-            </a:r>
-            <a:r>
-              <a:rPr lang="en-US" sz="2800" i="1" dirty="0"/>
-              <a:t>, not a single one-time riddle to be solved.</a:t>
+              <a:t>AI is a deeply contextual and open-ended endeavour, not a single one-time riddle to be solved.</a:t>
             </a:r>
           </a:p>
           <a:p>
@@ -25209,6 +25201,15 @@
 </file>
 
 <file path=customXml/item1.xml><?xml version="1.0" encoding="utf-8"?>
+<p:properties xmlns:p="http://schemas.microsoft.com/office/2006/metadata/properties" xmlns:xsi="http://www.w3.org/2001/XMLSchema-instance" xmlns:pc="http://schemas.microsoft.com/office/infopath/2007/PartnerControls">
+  <documentManagement>
+    <_ip_UnifiedCompliancePolicyUIAction xmlns="http://schemas.microsoft.com/sharepoint/v3" xsi:nil="true"/>
+    <_ip_UnifiedCompliancePolicyProperties xmlns="http://schemas.microsoft.com/sharepoint/v3" xsi:nil="true"/>
+  </documentManagement>
+</p:properties>
+</file>
+
+<file path=customXml/item2.xml><?xml version="1.0" encoding="utf-8"?>
 <ct:contentTypeSchema xmlns:ct="http://schemas.microsoft.com/office/2006/metadata/contentType" xmlns:ma="http://schemas.microsoft.com/office/2006/metadata/properties/metaAttributes" ct:_="" ma:_="" ma:contentTypeName="Document" ma:contentTypeID="0x010100DEEA25CC0A0AC24199CDC46C25B8B0BC" ma:contentTypeVersion="9" ma:contentTypeDescription="Create a new document." ma:contentTypeScope="" ma:versionID="76e25e1730b4532ab1d5e5b131a96a5a">
   <xsd:schema xmlns:xsd="http://www.w3.org/2001/XMLSchema" xmlns:xs="http://www.w3.org/2001/XMLSchema" xmlns:p="http://schemas.microsoft.com/office/2006/metadata/properties" xmlns:ns1="http://schemas.microsoft.com/sharepoint/v3" xmlns:ns2="6dc4bcd6-49db-4c07-9060-8acfc67cef9f" xmlns:ns3="fb0879af-3eba-417a-a55a-ffe6dcd6ca77" targetNamespace="http://schemas.microsoft.com/office/2006/metadata/properties" ma:root="true" ma:fieldsID="ad1e9281a84c4949647088091c718de3" ns1:_="" ns2:_="" ns3:_="">
     <xsd:import namespace="http://schemas.microsoft.com/sharepoint/v3"/>
@@ -25410,16 +25411,17 @@
 </ct:contentTypeSchema>
 </file>
 
-<file path=customXml/item2.xml><?xml version="1.0" encoding="utf-8"?>
-<p:properties xmlns:p="http://schemas.microsoft.com/office/2006/metadata/properties" xmlns:xsi="http://www.w3.org/2001/XMLSchema-instance" xmlns:pc="http://schemas.microsoft.com/office/infopath/2007/PartnerControls">
-  <documentManagement>
-    <_ip_UnifiedCompliancePolicyUIAction xmlns="http://schemas.microsoft.com/sharepoint/v3" xsi:nil="true"/>
-    <_ip_UnifiedCompliancePolicyProperties xmlns="http://schemas.microsoft.com/sharepoint/v3" xsi:nil="true"/>
-  </documentManagement>
-</p:properties>
+<file path=customXml/itemProps1.xml><?xml version="1.0" encoding="utf-8"?>
+<ds:datastoreItem xmlns:ds="http://schemas.openxmlformats.org/officeDocument/2006/customXml" ds:itemID="{0543E42B-7C8A-4AB1-9F29-E7D83A36D5D6}">
+  <ds:schemaRefs>
+    <ds:schemaRef ds:uri="http://schemas.microsoft.com/office/2006/metadata/properties"/>
+    <ds:schemaRef ds:uri="http://schemas.microsoft.com/office/infopath/2007/PartnerControls"/>
+    <ds:schemaRef ds:uri="http://schemas.microsoft.com/sharepoint/v3"/>
+  </ds:schemaRefs>
+</ds:datastoreItem>
 </file>
 
-<file path=customXml/itemProps1.xml><?xml version="1.0" encoding="utf-8"?>
+<file path=customXml/itemProps2.xml><?xml version="1.0" encoding="utf-8"?>
 <ds:datastoreItem xmlns:ds="http://schemas.openxmlformats.org/officeDocument/2006/customXml" ds:itemID="{0F655827-7CC1-40B1-BA1C-E9676D7EEDB7}">
   <ds:schemaRefs>
     <ds:schemaRef ds:uri="http://schemas.microsoft.com/office/2006/metadata/contentType"/>
@@ -25437,14 +25439,4 @@
     <ds:schemaRef ds:uri="http://schemas.microsoft.com/internal/obd"/>
   </ds:schemaRefs>
 </ds:datastoreItem>
-</file>
-
-<file path=customXml/itemProps2.xml><?xml version="1.0" encoding="utf-8"?>
-<ds:datastoreItem xmlns:ds="http://schemas.openxmlformats.org/officeDocument/2006/customXml" ds:itemID="{0543E42B-7C8A-4AB1-9F29-E7D83A36D5D6}">
-  <ds:schemaRefs>
-    <ds:schemaRef ds:uri="http://schemas.microsoft.com/office/2006/metadata/properties"/>
-    <ds:schemaRef ds:uri="http://schemas.microsoft.com/office/infopath/2007/PartnerControls"/>
-    <ds:schemaRef ds:uri="http://schemas.microsoft.com/sharepoint/v3"/>
-  </ds:schemaRefs>
-</ds:datastoreItem>
 </file>